--- a/EDILE_poster.pptx
+++ b/EDILE_poster.pptx
@@ -13733,6 +13733,36 @@
           </a:extLst>
         </p:spPr>
       </p:pic>
+      <p:pic>
+        <p:nvPicPr>
+          <p:cNvPr id="8" name="图片 7">
+            <a:extLst>
+              <a:ext uri="{FF2B5EF4-FFF2-40B4-BE49-F238E27FC236}">
+                <a16:creationId xmlns:a16="http://schemas.microsoft.com/office/drawing/2014/main" id="{C697815F-210F-D5CA-326A-36E1C1C8CAC8}"/>
+              </a:ext>
+            </a:extLst>
+          </p:cNvPr>
+          <p:cNvPicPr>
+            <a:picLocks noChangeAspect="1"/>
+          </p:cNvPicPr>
+          <p:nvPr/>
+        </p:nvPicPr>
+        <p:blipFill>
+          <a:blip r:embed="rId8"/>
+          <a:stretch>
+            <a:fillRect/>
+          </a:stretch>
+        </p:blipFill>
+        <p:spPr>
+          <a:xfrm>
+            <a:off x="18203393" y="26206911"/>
+            <a:ext cx="2857500" cy="2857500"/>
+          </a:xfrm>
+          <a:prstGeom prst="rect">
+            <a:avLst/>
+          </a:prstGeom>
+        </p:spPr>
+      </p:pic>
     </p:spTree>
   </p:cSld>
   <p:clrMapOvr>
